--- a/lectures/01 - REST and docker.pptx
+++ b/lectures/01 - REST and docker.pptx
@@ -574,7 +574,7 @@
           <a:p>
             <a:fld id="{B30C5654-8255-4741-B5E4-F40A45C3546B}" type="datetimeFigureOut">
               <a:rPr lang="en-US" smtClean="0"/>
-              <a:t>1/10/19</a:t>
+              <a:t>1/15/19</a:t>
             </a:fld>
             <a:endParaRPr lang="en-US"/>
           </a:p>
@@ -1701,7 +1701,7 @@
           <a:p>
             <a:fld id="{1E1327A7-1338-42E3-A376-4DBDA53A9DB0}" type="datetimeFigureOut">
               <a:rPr lang="en-US" smtClean="0"/>
-              <a:t>1/10/19</a:t>
+              <a:t>1/15/19</a:t>
             </a:fld>
             <a:endParaRPr lang="en-US"/>
           </a:p>
@@ -1869,7 +1869,7 @@
           <a:p>
             <a:fld id="{1E1327A7-1338-42E3-A376-4DBDA53A9DB0}" type="datetimeFigureOut">
               <a:rPr lang="en-US" smtClean="0"/>
-              <a:t>1/10/19</a:t>
+              <a:t>1/15/19</a:t>
             </a:fld>
             <a:endParaRPr lang="en-US"/>
           </a:p>
@@ -2047,7 +2047,7 @@
           <a:p>
             <a:fld id="{1E1327A7-1338-42E3-A376-4DBDA53A9DB0}" type="datetimeFigureOut">
               <a:rPr lang="en-US" smtClean="0"/>
-              <a:t>1/10/19</a:t>
+              <a:t>1/15/19</a:t>
             </a:fld>
             <a:endParaRPr lang="en-US"/>
           </a:p>
@@ -2215,7 +2215,7 @@
           <a:p>
             <a:fld id="{1E1327A7-1338-42E3-A376-4DBDA53A9DB0}" type="datetimeFigureOut">
               <a:rPr lang="en-US" smtClean="0"/>
-              <a:t>1/10/19</a:t>
+              <a:t>1/15/19</a:t>
             </a:fld>
             <a:endParaRPr lang="en-US"/>
           </a:p>
@@ -2460,7 +2460,7 @@
           <a:p>
             <a:fld id="{1E1327A7-1338-42E3-A376-4DBDA53A9DB0}" type="datetimeFigureOut">
               <a:rPr lang="en-US" smtClean="0"/>
-              <a:t>1/10/19</a:t>
+              <a:t>1/15/19</a:t>
             </a:fld>
             <a:endParaRPr lang="en-US"/>
           </a:p>
@@ -2689,7 +2689,7 @@
           <a:p>
             <a:fld id="{1E1327A7-1338-42E3-A376-4DBDA53A9DB0}" type="datetimeFigureOut">
               <a:rPr lang="en-US" smtClean="0"/>
-              <a:t>1/10/19</a:t>
+              <a:t>1/15/19</a:t>
             </a:fld>
             <a:endParaRPr lang="en-US"/>
           </a:p>
@@ -3053,7 +3053,7 @@
           <a:p>
             <a:fld id="{1E1327A7-1338-42E3-A376-4DBDA53A9DB0}" type="datetimeFigureOut">
               <a:rPr lang="en-US" smtClean="0"/>
-              <a:t>1/10/19</a:t>
+              <a:t>1/15/19</a:t>
             </a:fld>
             <a:endParaRPr lang="en-US"/>
           </a:p>
@@ -3170,7 +3170,7 @@
           <a:p>
             <a:fld id="{1E1327A7-1338-42E3-A376-4DBDA53A9DB0}" type="datetimeFigureOut">
               <a:rPr lang="en-US" smtClean="0"/>
-              <a:t>1/10/19</a:t>
+              <a:t>1/15/19</a:t>
             </a:fld>
             <a:endParaRPr lang="en-US"/>
           </a:p>
@@ -3265,7 +3265,7 @@
           <a:p>
             <a:fld id="{1E1327A7-1338-42E3-A376-4DBDA53A9DB0}" type="datetimeFigureOut">
               <a:rPr lang="en-US" smtClean="0"/>
-              <a:t>1/10/19</a:t>
+              <a:t>1/15/19</a:t>
             </a:fld>
             <a:endParaRPr lang="en-US"/>
           </a:p>
@@ -3540,7 +3540,7 @@
           <a:p>
             <a:fld id="{1E1327A7-1338-42E3-A376-4DBDA53A9DB0}" type="datetimeFigureOut">
               <a:rPr lang="en-US" smtClean="0"/>
-              <a:t>1/10/19</a:t>
+              <a:t>1/15/19</a:t>
             </a:fld>
             <a:endParaRPr lang="en-US"/>
           </a:p>
@@ -3792,7 +3792,7 @@
           <a:p>
             <a:fld id="{1E1327A7-1338-42E3-A376-4DBDA53A9DB0}" type="datetimeFigureOut">
               <a:rPr lang="en-US" smtClean="0"/>
-              <a:t>1/10/19</a:t>
+              <a:t>1/15/19</a:t>
             </a:fld>
             <a:endParaRPr lang="en-US"/>
           </a:p>
@@ -4003,7 +4003,7 @@
           <a:p>
             <a:fld id="{1E1327A7-1338-42E3-A376-4DBDA53A9DB0}" type="datetimeFigureOut">
               <a:rPr lang="en-US" smtClean="0"/>
-              <a:t>1/10/19</a:t>
+              <a:t>1/15/19</a:t>
             </a:fld>
             <a:endParaRPr lang="en-US"/>
           </a:p>
@@ -12264,8 +12264,13 @@
             </a:pPr>
             <a:r>
               <a:rPr lang="en-US" dirty="0"/>
-              <a:t>Make sure you can build (docker and dotnet core 2.0)</a:t>
-            </a:r>
+              <a:t>Make sure you can build (docker and dotnet core </a:t>
+            </a:r>
+            <a:r>
+              <a:rPr lang="en-US"/>
+              <a:t>2.x)</a:t>
+            </a:r>
+            <a:endParaRPr lang="en-US" dirty="0"/>
           </a:p>
           <a:p>
             <a:pPr marL="0" indent="0">
@@ -12327,13 +12332,8 @@
             </a:pPr>
             <a:r>
               <a:rPr lang="en-US" dirty="0"/>
-              <a:t>Add support to root document for creating </a:t>
-            </a:r>
-            <a:r>
-              <a:rPr lang="en-US"/>
-              <a:t>a timesheet</a:t>
-            </a:r>
-            <a:endParaRPr lang="en-US" dirty="0"/>
+              <a:t>Add support to root document for creating a timesheet</a:t>
+            </a:r>
           </a:p>
         </p:txBody>
       </p:sp>
